--- a/Solicitação Almoxarifado.pptx
+++ b/Solicitação Almoxarifado.pptx
@@ -1074,7 +1074,7 @@
         <a:p>
           <a:r>
             <a:rPr lang="pt-BR" dirty="0"/>
-            <a:t>Equipe almoxarifado</a:t>
+            <a:t>Gestor Divisão Administrativa</a:t>
           </a:r>
         </a:p>
       </dgm:t>
@@ -1110,7 +1110,7 @@
         <a:p>
           <a:r>
             <a:rPr lang="pt-BR" dirty="0"/>
-            <a:t>Verificar solicitação</a:t>
+            <a:t>Validar solicitação</a:t>
           </a:r>
         </a:p>
       </dgm:t>
@@ -1646,7 +1646,7 @@
           </a:pPr>
           <a:r>
             <a:rPr lang="pt-BR" sz="3100" kern="1200" dirty="0"/>
-            <a:t>Equipe almoxarifado</a:t>
+            <a:t>Gestor Divisão Administrativa</a:t>
           </a:r>
         </a:p>
       </dsp:txBody>
@@ -1725,7 +1725,7 @@
           </a:pPr>
           <a:r>
             <a:rPr lang="pt-BR" sz="3100" kern="1200" dirty="0"/>
-            <a:t>Verificar solicitação</a:t>
+            <a:t>Validar solicitação</a:t>
           </a:r>
         </a:p>
       </dsp:txBody>
@@ -3072,7 +3072,7 @@
             <a:fld id="{6FD22E44-98EB-41F2-A5A3-DC9366D96C52}" type="datetimeFigureOut">
               <a:rPr lang="pt-BR" smtClean="0"/>
               <a:pPr/>
-              <a:t>25/02/2021</a:t>
+              <a:t>11/03/2021</a:t>
             </a:fld>
             <a:endParaRPr lang="pt-BR"/>
           </a:p>
@@ -3238,7 +3238,7 @@
           <a:p>
             <a:fld id="{515D20E7-273D-4BCD-A33C-33C20D53B536}" type="datetimeFigureOut">
               <a:rPr lang="pt-BR" smtClean="0"/>
-              <a:t>25/02/2021</a:t>
+              <a:t>11/03/2021</a:t>
             </a:fld>
             <a:endParaRPr lang="pt-BR"/>
           </a:p>
@@ -5426,7 +5426,7 @@
             <a:fld id="{4E492E1F-AD23-4954-8C0A-1311CECCDDB9}" type="datetimeFigureOut">
               <a:rPr lang="pt-BR" smtClean="0"/>
               <a:pPr/>
-              <a:t>25/02/2021</a:t>
+              <a:t>11/03/2021</a:t>
             </a:fld>
             <a:endParaRPr lang="pt-BR"/>
           </a:p>
@@ -5965,7 +5965,7 @@
         <p:spPr>
           <a:xfrm>
             <a:off x="683568" y="1700808"/>
-            <a:ext cx="7848872" cy="3785652"/>
+            <a:ext cx="7848872" cy="3323987"/>
           </a:xfrm>
           <a:prstGeom prst="rect">
             <a:avLst/>
@@ -5989,15 +5989,7 @@
             </a:r>
             <a:r>
               <a:rPr lang="pt-BR" sz="3000" dirty="0"/>
-              <a:t>, tem objetivo centralizar as aprovações em uma plataforma, trazendo mais mobilidade e uma interface mais amigável. Em seguida a implementação deste processo iremos elaborar outro para compras, com isso não teremos mais a </a:t>
-            </a:r>
-            <a:r>
-              <a:rPr lang="pt-BR" sz="3000" dirty="0" err="1"/>
-              <a:t>depedencia</a:t>
-            </a:r>
-            <a:r>
-              <a:rPr lang="pt-BR" sz="3000" dirty="0"/>
-              <a:t> do programa PMS e nem da aprovação via Portal TOTVS.</a:t>
+              <a:t>, tem objetivo centralizar as aprovações em uma plataforma, trazendo mais mobilidade e uma interface mais amigável, com isso não teremos mais a dependência do programa PMS e nem da aprovação via Portal TOTVS.</a:t>
             </a:r>
           </a:p>
           <a:p>
@@ -6083,7 +6075,7 @@
           <p:nvPr>
             <p:extLst>
               <p:ext uri="{D42A27DB-BD31-4B8C-83A1-F6EECF244321}">
-                <p14:modId xmlns:p14="http://schemas.microsoft.com/office/powerpoint/2010/main" val="3478929483"/>
+                <p14:modId xmlns:p14="http://schemas.microsoft.com/office/powerpoint/2010/main" val="2530616734"/>
               </p:ext>
             </p:extLst>
           </p:nvPr>
@@ -6277,7 +6269,7 @@
         <p:spPr>
           <a:xfrm>
             <a:off x="683568" y="1700808"/>
-            <a:ext cx="7848872" cy="1938992"/>
+            <a:ext cx="7848872" cy="2400657"/>
           </a:xfrm>
           <a:prstGeom prst="rect">
             <a:avLst/>
@@ -6293,7 +6285,7 @@
             <a:pPr algn="just"/>
             <a:r>
               <a:rPr lang="pt-BR" sz="3000" dirty="0"/>
-              <a:t>	Nesta etapa o Gestor do centro de custo relacionado irá verificar a solicitação e poderá aprovar, avançando a solicitação para o almoxarifado ou devolver para o Solicitante rejeitando a solicitação. </a:t>
+              <a:t>	Nesta etapa o Gestor do centro de custo relacionado irá verificar a solicitação e poderá aprovar, avançando a solicitação para o Gestor da Divisão Administrativa, poderá ser cancelado ou devolver para que o solicitante efetue as correções necessárias. </a:t>
             </a:r>
           </a:p>
         </p:txBody>
@@ -6357,7 +6349,7 @@
                 </a:solidFill>
                 <a:latin typeface="Helvetica" pitchFamily="34" charset="0"/>
               </a:rPr>
-              <a:t>Equipe almoxarifado – Verificar solicitação</a:t>
+              <a:t>Gestor DA – Validar solicitação</a:t>
             </a:r>
           </a:p>
         </p:txBody>
@@ -6377,7 +6369,7 @@
         <p:spPr>
           <a:xfrm>
             <a:off x="683568" y="1700808"/>
-            <a:ext cx="7848872" cy="3323987"/>
+            <a:ext cx="7848872" cy="2400657"/>
           </a:xfrm>
           <a:prstGeom prst="rect">
             <a:avLst/>
@@ -6393,7 +6385,15 @@
             <a:pPr algn="just"/>
             <a:r>
               <a:rPr lang="pt-BR" sz="3000" dirty="0"/>
-              <a:t>	Esta etapa possui direcionamento automático conforme a filial do movimento, o grupo responsável pela análise fiscal irá verificar se há alguma não conformidade na solicitação Quando de acordo, o movimento será inserido no sistema RM, caso não esteja, será devolvido para que o solicitante efetue as correções necessárias. </a:t>
+              <a:t>	 Nesta etapa o Gestor da Divisão Administrativa irá verificar a solicitação e quando de acordo, o movimento será inserido no sistema RM, caso não esteja, poderá ser cancelado </a:t>
+            </a:r>
+            <a:r>
+              <a:rPr lang="pt-BR" sz="3000"/>
+              <a:t>ou devolver </a:t>
+            </a:r>
+            <a:r>
+              <a:rPr lang="pt-BR" sz="3000" dirty="0"/>
+              <a:t>para que o solicitante efetue as correções necessárias. </a:t>
             </a:r>
           </a:p>
         </p:txBody>
@@ -7181,15 +7181,6 @@
 </file>
 
 <file path=customXml/item1.xml><?xml version="1.0" encoding="utf-8"?>
-<?mso-contentType ?>
-<FormTemplates xmlns="http://schemas.microsoft.com/sharepoint/v3/contenttype/forms">
-  <Display>DocumentLibraryForm</Display>
-  <Edit>DocumentLibraryForm</Edit>
-  <New>DocumentLibraryForm</New>
-</FormTemplates>
-</file>
-
-<file path=customXml/item2.xml><?xml version="1.0" encoding="utf-8"?>
 <p:properties xmlns:p="http://schemas.microsoft.com/office/2006/metadata/properties" xmlns:xsi="http://www.w3.org/2001/XMLSchema-instance" xmlns:pc="http://schemas.microsoft.com/office/infopath/2007/PartnerControls">
   <documentManagement>
     <Objetivo xmlns="d885478b-f22d-4d19-a775-a8723dc1337f">Apresentação de Power Point com slides personalizados CNC na cor branca.</Objetivo>
@@ -7197,6 +7188,15 @@
     <Procedimento xmlns="45f96d23-d40b-4212-8da3-c017d2a6f7c3" xsi:nil="true"/>
   </documentManagement>
 </p:properties>
+</file>
+
+<file path=customXml/item2.xml><?xml version="1.0" encoding="utf-8"?>
+<?mso-contentType ?>
+<FormTemplates xmlns="http://schemas.microsoft.com/sharepoint/v3/contenttype/forms">
+  <Display>DocumentLibraryForm</Display>
+  <Edit>DocumentLibraryForm</Edit>
+  <New>DocumentLibraryForm</New>
+</FormTemplates>
 </file>
 
 <file path=customXml/item3.xml><?xml version="1.0" encoding="utf-8"?>
@@ -7357,14 +7357,6 @@
 </file>
 
 <file path=customXml/itemProps1.xml><?xml version="1.0" encoding="utf-8"?>
-<ds:datastoreItem xmlns:ds="http://schemas.openxmlformats.org/officeDocument/2006/customXml" ds:itemID="{FBD8799C-CBA0-43B6-B31C-584BCF8821B4}">
-  <ds:schemaRefs>
-    <ds:schemaRef ds:uri="http://schemas.microsoft.com/sharepoint/v3/contenttype/forms"/>
-  </ds:schemaRefs>
-</ds:datastoreItem>
-</file>
-
-<file path=customXml/itemProps2.xml><?xml version="1.0" encoding="utf-8"?>
 <ds:datastoreItem xmlns:ds="http://schemas.openxmlformats.org/officeDocument/2006/customXml" ds:itemID="{ED2DF0E0-0EA2-48B5-9DA2-3321820A21F2}">
   <ds:schemaRefs>
     <ds:schemaRef ds:uri="http://purl.org/dc/dcmitype/"/>
@@ -7377,6 +7369,14 @@
     <ds:schemaRef ds:uri="http://schemas.openxmlformats.org/package/2006/metadata/core-properties"/>
     <ds:schemaRef ds:uri="45f96d23-d40b-4212-8da3-c017d2a6f7c3"/>
     <ds:schemaRef ds:uri="http://www.w3.org/XML/1998/namespace"/>
+  </ds:schemaRefs>
+</ds:datastoreItem>
+</file>
+
+<file path=customXml/itemProps2.xml><?xml version="1.0" encoding="utf-8"?>
+<ds:datastoreItem xmlns:ds="http://schemas.openxmlformats.org/officeDocument/2006/customXml" ds:itemID="{FBD8799C-CBA0-43B6-B31C-584BCF8821B4}">
+  <ds:schemaRefs>
+    <ds:schemaRef ds:uri="http://schemas.microsoft.com/sharepoint/v3/contenttype/forms"/>
   </ds:schemaRefs>
 </ds:datastoreItem>
 </file>
